--- a/עמוד דפי הצביעה/תמונות/תבנית בסיסית להתאמת גודל ציור.pptx
+++ b/עמוד דפי הצביעה/תמונות/תבנית בסיסית להתאמת גודל ציור.pptx
@@ -104,7 +104,51 @@
       </a:defRPr>
     </a:lvl9pPr>
   </p:defaultTextStyle>
+  <p:extLst>
+    <p:ext uri="{EFAFB233-063F-42B5-8137-9DF3F51BA10A}">
+      <p15:sldGuideLst xmlns:p15="http://schemas.microsoft.com/office/powerpoint/2012/main">
+        <p15:guide id="1" orient="horz" pos="3120">
+          <p15:clr>
+            <a:srgbClr val="A4A3A4"/>
+          </p15:clr>
+        </p15:guide>
+        <p15:guide id="2" pos="2160">
+          <p15:clr>
+            <a:srgbClr val="A4A3A4"/>
+          </p15:clr>
+        </p15:guide>
+      </p15:sldGuideLst>
+    </p:ext>
+  </p:extLst>
 </p:presentation>
+</file>
+
+<file path=ppt/ink/ink1.xml><?xml version="1.0" encoding="utf-8"?>
+<inkml:ink xmlns:inkml="http://www.w3.org/2003/InkML">
+  <inkml:definitions>
+    <inkml:context xml:id="ctx0">
+      <inkml:inkSource xml:id="inkSrc0">
+        <inkml:traceFormat>
+          <inkml:channel name="X" type="integer" min="-2.14748E9" max="2.14748E9" units="cm"/>
+          <inkml:channel name="Y" type="integer" min="-2.14748E9" max="2.14748E9" units="cm"/>
+          <inkml:channel name="F" type="integer" max="32767" units="dev"/>
+        </inkml:traceFormat>
+        <inkml:channelProperties>
+          <inkml:channelProperty channel="X" name="resolution" value="1000" units="1/cm"/>
+          <inkml:channelProperty channel="Y" name="resolution" value="1000" units="1/cm"/>
+          <inkml:channelProperty channel="F" name="resolution" value="0" units="1/dev"/>
+        </inkml:channelProperties>
+      </inkml:inkSource>
+      <inkml:timestamp xml:id="ts0" timeString="2024-09-03T20:33:42.668"/>
+    </inkml:context>
+    <inkml:brush xml:id="br0">
+      <inkml:brushProperty name="width" value="0.35" units="cm"/>
+      <inkml:brushProperty name="height" value="0.35" units="cm"/>
+      <inkml:brushProperty name="color" value="#FFFFFF"/>
+    </inkml:brush>
+  </inkml:definitions>
+  <inkml:trace contextRef="#ctx0" brushRef="#br0">187 5484 24575,'-3'-7'0,"0"0"0,0 1 0,-1-1 0,0 1 0,0 0 0,0 0 0,-1 0 0,0 0 0,0 1 0,-7-6 0,3 1 0,-36-30 0,35 33 0,1-1 0,0 0 0,0 0 0,-10-14 0,19 21 0,-1 0 0,0 0 0,1 0 0,-1-1 0,1 1 0,0 0 0,-1 0 0,1 0 0,0 0 0,0-1 0,0 1 0,-1 0 0,1 0 0,1-1 0,-1 1 0,0 0 0,0 0 0,0 0 0,1-1 0,-1 1 0,0 0 0,1 0 0,-1 0 0,1 0 0,-1 0 0,1 0 0,0 0 0,0 0 0,-1 0 0,1 0 0,0 0 0,2-1 0,38-29 0,-24 21 0,-12 6 0,0-1 0,0 1 0,0-1 0,-1 0 0,0 0 0,0-1 0,0 1 0,0-1 0,-1 0 0,0 0 0,0 0 0,-1 0 0,2-7 0,1-8 0,-1 0 0,3-38 0,1-10 0,3-1 0,-4 0 0,-2 0 0,-4-1 0,-8-72 0,-10 32 0,10 72 0,-4-62 0,9 14 0,4 1 0,20-126 0,15-48 0,-29 200 0,-2-1 0,-4 0 0,-5-68 0,4-92 0,30 47 0,-27 148 0,1 0 0,1 0 0,1 0 0,2 1 0,17-38 0,3-9 0,-25 62 0,-1-1 0,0 1 0,0 0 0,-1-1 0,0 0 0,-1 1 0,0-19 0,-2 26 0,1 0 0,0-1 0,-1 1 0,0 0 0,0 0 0,0 0 0,0 0 0,0 0 0,0 0 0,-1 0 0,0 0 0,1 0 0,-1 1 0,0-1 0,0 1 0,-1-1 0,1 1 0,0 0 0,-1 0 0,0 0 0,1 0 0,-1 0 0,0 0 0,0 1 0,0 0 0,0-1 0,0 1 0,0 0 0,-4 0 0,-3-2 0,0 1 0,0 1 0,-1-1 0,1 2 0,0-1 0,-1 1 0,1 1 0,-1 0 0,-11 3 0,18-3 0,1 0 0,-1 0 0,0 0 0,1 1 0,0 0 0,-1-1 0,1 1 0,0 0 0,0 0 0,0 1 0,0-1 0,0 1 0,1-1 0,-1 1 0,1 0 0,0 0 0,-1 0 0,1 0 0,1 1 0,-1-1 0,0 0 0,1 1 0,0-1 0,0 1 0,0 0 0,0-1 0,0 1 0,0 5 0,9 69 0,-3-48 0,-4-26 0,-2-11 0,-33-208 0,32 205 0,0 0 0,1 0 0,-1 0 0,2 0 0,0 0 0,0 0 0,1 0 0,0 1 0,0-1 0,1 0 0,1 0 0,-1 1 0,2-1 0,-1 1 0,8-14 0,1 3 0,-2-1 0,0 0 0,-1 0 0,-1-1 0,-1-1 0,-2 1 0,0-1 0,-1 0 0,2-43 0,-7-23 0,-23-167 0,18 201 0,5 39 0,0 1 0,-2 0 0,1 0 0,-2 0 0,0 1 0,0-1 0,-14-26 0,-11-8 0,17 33 0,1-1 0,1-1 0,0 0 0,1 0 0,1-1 0,1 0 0,1 0 0,1-1 0,-4-25 0,5-16 0,3 0 0,9-89 0,28-64 0,-30 186 0,1-1 0,13-35 0,-11 39 0,-1 0 0,-1-1 0,4-33 0,-8 32 0,-2 0 0,-2-43 0,0 60 0,0 0 0,-1 0 0,-1 0 0,1 0 0,-2 1 0,1-1 0,-1 1 0,-1 0 0,0 0 0,-7-11 0,1 5 0,1-1 0,0 0 0,2 0 0,-9-20 0,15 30 0,0-1 0,-1 1 0,2-1 0,-1 0 0,1 0 0,0 0 0,1 0 0,-1 0 0,1 0 0,1 1 0,-1-1 0,1 0 0,1 0 0,2-8 0,-2 11 0,0 0 0,1 1 0,0-1 0,0 1 0,0-1 0,0 1 0,0 0 0,1 0 0,-1 1 0,1-1 0,0 1 0,0 0 0,0 0 0,0 0 0,0 0 0,0 1 0,1-1 0,-1 1 0,0 0 0,1 1 0,-1-1 0,7 1 0,-1-1 0,1 0 0,-1 1 0,0 0 0,1 0 0,-1 2 0,0-1 0,1 1 0,16 6 0,-23-6 0,-1 0 0,1 1 0,-1-1 0,0 1 0,0 0 0,0 0 0,0 0 0,0 0 0,-1 1 0,1-1 0,-1 1 0,0-1 0,0 1 0,0 0 0,-1 0 0,1 0 0,-1 0 0,0 0 0,0 0 0,0 0 0,0 5 0,1 14 0,0 0 0,-3 38 0,0-42 0,-6 704 0,7-578 0,-2-106-54,-3 1 0,-1-1 0,-2 0 0,-14 42 0,7-28-1041</inkml:trace>
+</inkml:ink>
 </file>
 
 <file path=ppt/slideLayouts/slideLayout1.xml><?xml version="1.0" encoding="utf-8"?>
@@ -145,10 +189,9 @@
           <a:lstStyle/>
           <a:p>
             <a:r>
-              <a:rPr lang="he-IL" smtClean="0"/>
+              <a:rPr lang="he-IL"/>
               <a:t>לחץ כדי לערוך סגנון כותרת של תבנית בסיס</a:t>
             </a:r>
-            <a:endParaRPr lang="he-IL"/>
           </a:p>
         </p:txBody>
       </p:sp>
@@ -264,10 +307,9 @@
           </a:lstStyle>
           <a:p>
             <a:r>
-              <a:rPr lang="he-IL" smtClean="0"/>
+              <a:rPr lang="he-IL"/>
               <a:t>לחץ כדי לערוך סגנון כותרת משנה של תבנית בסיס</a:t>
             </a:r>
-            <a:endParaRPr lang="he-IL"/>
           </a:p>
         </p:txBody>
       </p:sp>
@@ -289,7 +331,7 @@
             <a:fld id="{B9273EA4-7F4B-4BCE-8FBA-B839F7CEDD5C}" type="datetimeFigureOut">
               <a:rPr lang="he-IL" smtClean="0"/>
               <a:pPr/>
-              <a:t>א'/שבט/תשפ"ד</a:t>
+              <a:t>ל'/אב/תשפ"ד</a:t>
             </a:fld>
             <a:endParaRPr lang="he-IL"/>
           </a:p>
@@ -379,10 +421,9 @@
           <a:lstStyle/>
           <a:p>
             <a:r>
-              <a:rPr lang="he-IL" smtClean="0"/>
+              <a:rPr lang="he-IL"/>
               <a:t>לחץ כדי לערוך סגנון כותרת של תבנית בסיס</a:t>
             </a:r>
-            <a:endParaRPr lang="he-IL"/>
           </a:p>
         </p:txBody>
       </p:sp>
@@ -403,38 +444,37 @@
           <a:p>
             <a:pPr lvl="0"/>
             <a:r>
-              <a:rPr lang="he-IL" smtClean="0"/>
+              <a:rPr lang="he-IL"/>
               <a:t>לחץ כדי לערוך סגנונות טקסט של תבנית בסיס</a:t>
             </a:r>
           </a:p>
           <a:p>
             <a:pPr lvl="1"/>
             <a:r>
-              <a:rPr lang="he-IL" smtClean="0"/>
+              <a:rPr lang="he-IL"/>
               <a:t>רמה שנייה</a:t>
             </a:r>
           </a:p>
           <a:p>
             <a:pPr lvl="2"/>
             <a:r>
-              <a:rPr lang="he-IL" smtClean="0"/>
+              <a:rPr lang="he-IL"/>
               <a:t>רמה שלישית</a:t>
             </a:r>
           </a:p>
           <a:p>
             <a:pPr lvl="3"/>
             <a:r>
-              <a:rPr lang="he-IL" smtClean="0"/>
+              <a:rPr lang="he-IL"/>
               <a:t>רמה רביעית</a:t>
             </a:r>
           </a:p>
           <a:p>
             <a:pPr lvl="4"/>
             <a:r>
-              <a:rPr lang="he-IL" smtClean="0"/>
+              <a:rPr lang="he-IL"/>
               <a:t>רמה חמישית</a:t>
             </a:r>
-            <a:endParaRPr lang="he-IL"/>
           </a:p>
         </p:txBody>
       </p:sp>
@@ -456,7 +496,7 @@
             <a:fld id="{B9273EA4-7F4B-4BCE-8FBA-B839F7CEDD5C}" type="datetimeFigureOut">
               <a:rPr lang="he-IL" smtClean="0"/>
               <a:pPr/>
-              <a:t>א'/שבט/תשפ"ד</a:t>
+              <a:t>ל'/אב/תשפ"ד</a:t>
             </a:fld>
             <a:endParaRPr lang="he-IL"/>
           </a:p>
@@ -551,10 +591,9 @@
           <a:lstStyle/>
           <a:p>
             <a:r>
-              <a:rPr lang="he-IL" smtClean="0"/>
+              <a:rPr lang="he-IL"/>
               <a:t>לחץ כדי לערוך סגנון כותרת של תבנית בסיס</a:t>
             </a:r>
-            <a:endParaRPr lang="he-IL"/>
           </a:p>
         </p:txBody>
       </p:sp>
@@ -580,38 +619,37 @@
           <a:p>
             <a:pPr lvl="0"/>
             <a:r>
-              <a:rPr lang="he-IL" smtClean="0"/>
+              <a:rPr lang="he-IL"/>
               <a:t>לחץ כדי לערוך סגנונות טקסט של תבנית בסיס</a:t>
             </a:r>
           </a:p>
           <a:p>
             <a:pPr lvl="1"/>
             <a:r>
-              <a:rPr lang="he-IL" smtClean="0"/>
+              <a:rPr lang="he-IL"/>
               <a:t>רמה שנייה</a:t>
             </a:r>
           </a:p>
           <a:p>
             <a:pPr lvl="2"/>
             <a:r>
-              <a:rPr lang="he-IL" smtClean="0"/>
+              <a:rPr lang="he-IL"/>
               <a:t>רמה שלישית</a:t>
             </a:r>
           </a:p>
           <a:p>
             <a:pPr lvl="3"/>
             <a:r>
-              <a:rPr lang="he-IL" smtClean="0"/>
+              <a:rPr lang="he-IL"/>
               <a:t>רמה רביעית</a:t>
             </a:r>
           </a:p>
           <a:p>
             <a:pPr lvl="4"/>
             <a:r>
-              <a:rPr lang="he-IL" smtClean="0"/>
+              <a:rPr lang="he-IL"/>
               <a:t>רמה חמישית</a:t>
             </a:r>
-            <a:endParaRPr lang="he-IL"/>
           </a:p>
         </p:txBody>
       </p:sp>
@@ -633,7 +671,7 @@
             <a:fld id="{B9273EA4-7F4B-4BCE-8FBA-B839F7CEDD5C}" type="datetimeFigureOut">
               <a:rPr lang="he-IL" smtClean="0"/>
               <a:pPr/>
-              <a:t>א'/שבט/תשפ"ד</a:t>
+              <a:t>ל'/אב/תשפ"ד</a:t>
             </a:fld>
             <a:endParaRPr lang="he-IL"/>
           </a:p>
@@ -723,10 +761,9 @@
           <a:lstStyle/>
           <a:p>
             <a:r>
-              <a:rPr lang="he-IL" smtClean="0"/>
+              <a:rPr lang="he-IL"/>
               <a:t>לחץ כדי לערוך סגנון כותרת של תבנית בסיס</a:t>
             </a:r>
-            <a:endParaRPr lang="he-IL"/>
           </a:p>
         </p:txBody>
       </p:sp>
@@ -747,38 +784,37 @@
           <a:p>
             <a:pPr lvl="0"/>
             <a:r>
-              <a:rPr lang="he-IL" smtClean="0"/>
+              <a:rPr lang="he-IL"/>
               <a:t>לחץ כדי לערוך סגנונות טקסט של תבנית בסיס</a:t>
             </a:r>
           </a:p>
           <a:p>
             <a:pPr lvl="1"/>
             <a:r>
-              <a:rPr lang="he-IL" smtClean="0"/>
+              <a:rPr lang="he-IL"/>
               <a:t>רמה שנייה</a:t>
             </a:r>
           </a:p>
           <a:p>
             <a:pPr lvl="2"/>
             <a:r>
-              <a:rPr lang="he-IL" smtClean="0"/>
+              <a:rPr lang="he-IL"/>
               <a:t>רמה שלישית</a:t>
             </a:r>
           </a:p>
           <a:p>
             <a:pPr lvl="3"/>
             <a:r>
-              <a:rPr lang="he-IL" smtClean="0"/>
+              <a:rPr lang="he-IL"/>
               <a:t>רמה רביעית</a:t>
             </a:r>
           </a:p>
           <a:p>
             <a:pPr lvl="4"/>
             <a:r>
-              <a:rPr lang="he-IL" smtClean="0"/>
+              <a:rPr lang="he-IL"/>
               <a:t>רמה חמישית</a:t>
             </a:r>
-            <a:endParaRPr lang="he-IL"/>
           </a:p>
         </p:txBody>
       </p:sp>
@@ -800,7 +836,7 @@
             <a:fld id="{B9273EA4-7F4B-4BCE-8FBA-B839F7CEDD5C}" type="datetimeFigureOut">
               <a:rPr lang="he-IL" smtClean="0"/>
               <a:pPr/>
-              <a:t>א'/שבט/תשפ"ד</a:t>
+              <a:t>ל'/אב/תשפ"ד</a:t>
             </a:fld>
             <a:endParaRPr lang="he-IL"/>
           </a:p>
@@ -899,10 +935,9 @@
           </a:lstStyle>
           <a:p>
             <a:r>
-              <a:rPr lang="he-IL" smtClean="0"/>
+              <a:rPr lang="he-IL"/>
               <a:t>לחץ כדי לערוך סגנון כותרת של תבנית בסיס</a:t>
             </a:r>
-            <a:endParaRPr lang="he-IL"/>
           </a:p>
         </p:txBody>
       </p:sp>
@@ -1019,7 +1054,7 @@
           <a:p>
             <a:pPr lvl="0"/>
             <a:r>
-              <a:rPr lang="he-IL" smtClean="0"/>
+              <a:rPr lang="he-IL"/>
               <a:t>לחץ כדי לערוך סגנונות טקסט של תבנית בסיס</a:t>
             </a:r>
           </a:p>
@@ -1043,7 +1078,7 @@
             <a:fld id="{B9273EA4-7F4B-4BCE-8FBA-B839F7CEDD5C}" type="datetimeFigureOut">
               <a:rPr lang="he-IL" smtClean="0"/>
               <a:pPr/>
-              <a:t>א'/שבט/תשפ"ד</a:t>
+              <a:t>ל'/אב/תשפ"ד</a:t>
             </a:fld>
             <a:endParaRPr lang="he-IL"/>
           </a:p>
@@ -1133,10 +1168,9 @@
           <a:lstStyle/>
           <a:p>
             <a:r>
-              <a:rPr lang="he-IL" smtClean="0"/>
+              <a:rPr lang="he-IL"/>
               <a:t>לחץ כדי לערוך סגנון כותרת של תבנית בסיס</a:t>
             </a:r>
-            <a:endParaRPr lang="he-IL"/>
           </a:p>
         </p:txBody>
       </p:sp>
@@ -1190,38 +1224,37 @@
           <a:p>
             <a:pPr lvl="0"/>
             <a:r>
-              <a:rPr lang="he-IL" smtClean="0"/>
+              <a:rPr lang="he-IL"/>
               <a:t>לחץ כדי לערוך סגנונות טקסט של תבנית בסיס</a:t>
             </a:r>
           </a:p>
           <a:p>
             <a:pPr lvl="1"/>
             <a:r>
-              <a:rPr lang="he-IL" smtClean="0"/>
+              <a:rPr lang="he-IL"/>
               <a:t>רמה שנייה</a:t>
             </a:r>
           </a:p>
           <a:p>
             <a:pPr lvl="2"/>
             <a:r>
-              <a:rPr lang="he-IL" smtClean="0"/>
+              <a:rPr lang="he-IL"/>
               <a:t>רמה שלישית</a:t>
             </a:r>
           </a:p>
           <a:p>
             <a:pPr lvl="3"/>
             <a:r>
-              <a:rPr lang="he-IL" smtClean="0"/>
+              <a:rPr lang="he-IL"/>
               <a:t>רמה רביעית</a:t>
             </a:r>
           </a:p>
           <a:p>
             <a:pPr lvl="4"/>
             <a:r>
-              <a:rPr lang="he-IL" smtClean="0"/>
+              <a:rPr lang="he-IL"/>
               <a:t>רמה חמישית</a:t>
             </a:r>
-            <a:endParaRPr lang="he-IL"/>
           </a:p>
         </p:txBody>
       </p:sp>
@@ -1275,38 +1308,37 @@
           <a:p>
             <a:pPr lvl="0"/>
             <a:r>
-              <a:rPr lang="he-IL" smtClean="0"/>
+              <a:rPr lang="he-IL"/>
               <a:t>לחץ כדי לערוך סגנונות טקסט של תבנית בסיס</a:t>
             </a:r>
           </a:p>
           <a:p>
             <a:pPr lvl="1"/>
             <a:r>
-              <a:rPr lang="he-IL" smtClean="0"/>
+              <a:rPr lang="he-IL"/>
               <a:t>רמה שנייה</a:t>
             </a:r>
           </a:p>
           <a:p>
             <a:pPr lvl="2"/>
             <a:r>
-              <a:rPr lang="he-IL" smtClean="0"/>
+              <a:rPr lang="he-IL"/>
               <a:t>רמה שלישית</a:t>
             </a:r>
           </a:p>
           <a:p>
             <a:pPr lvl="3"/>
             <a:r>
-              <a:rPr lang="he-IL" smtClean="0"/>
+              <a:rPr lang="he-IL"/>
               <a:t>רמה רביעית</a:t>
             </a:r>
           </a:p>
           <a:p>
             <a:pPr lvl="4"/>
             <a:r>
-              <a:rPr lang="he-IL" smtClean="0"/>
+              <a:rPr lang="he-IL"/>
               <a:t>רמה חמישית</a:t>
             </a:r>
-            <a:endParaRPr lang="he-IL"/>
           </a:p>
         </p:txBody>
       </p:sp>
@@ -1328,7 +1360,7 @@
             <a:fld id="{B9273EA4-7F4B-4BCE-8FBA-B839F7CEDD5C}" type="datetimeFigureOut">
               <a:rPr lang="he-IL" smtClean="0"/>
               <a:pPr/>
-              <a:t>א'/שבט/תשפ"ד</a:t>
+              <a:t>ל'/אב/תשפ"ד</a:t>
             </a:fld>
             <a:endParaRPr lang="he-IL"/>
           </a:p>
@@ -1422,10 +1454,9 @@
           </a:lstStyle>
           <a:p>
             <a:r>
-              <a:rPr lang="he-IL" smtClean="0"/>
+              <a:rPr lang="he-IL"/>
               <a:t>לחץ כדי לערוך סגנון כותרת של תבנית בסיס</a:t>
             </a:r>
-            <a:endParaRPr lang="he-IL"/>
           </a:p>
         </p:txBody>
       </p:sp>
@@ -1488,7 +1519,7 @@
           <a:p>
             <a:pPr lvl="0"/>
             <a:r>
-              <a:rPr lang="he-IL" smtClean="0"/>
+              <a:rPr lang="he-IL"/>
               <a:t>לחץ כדי לערוך סגנונות טקסט של תבנית בסיס</a:t>
             </a:r>
           </a:p>
@@ -1544,38 +1575,37 @@
           <a:p>
             <a:pPr lvl="0"/>
             <a:r>
-              <a:rPr lang="he-IL" smtClean="0"/>
+              <a:rPr lang="he-IL"/>
               <a:t>לחץ כדי לערוך סגנונות טקסט של תבנית בסיס</a:t>
             </a:r>
           </a:p>
           <a:p>
             <a:pPr lvl="1"/>
             <a:r>
-              <a:rPr lang="he-IL" smtClean="0"/>
+              <a:rPr lang="he-IL"/>
               <a:t>רמה שנייה</a:t>
             </a:r>
           </a:p>
           <a:p>
             <a:pPr lvl="2"/>
             <a:r>
-              <a:rPr lang="he-IL" smtClean="0"/>
+              <a:rPr lang="he-IL"/>
               <a:t>רמה שלישית</a:t>
             </a:r>
           </a:p>
           <a:p>
             <a:pPr lvl="3"/>
             <a:r>
-              <a:rPr lang="he-IL" smtClean="0"/>
+              <a:rPr lang="he-IL"/>
               <a:t>רמה רביעית</a:t>
             </a:r>
           </a:p>
           <a:p>
             <a:pPr lvl="4"/>
             <a:r>
-              <a:rPr lang="he-IL" smtClean="0"/>
+              <a:rPr lang="he-IL"/>
               <a:t>רמה חמישית</a:t>
             </a:r>
-            <a:endParaRPr lang="he-IL"/>
           </a:p>
         </p:txBody>
       </p:sp>
@@ -1638,7 +1668,7 @@
           <a:p>
             <a:pPr lvl="0"/>
             <a:r>
-              <a:rPr lang="he-IL" smtClean="0"/>
+              <a:rPr lang="he-IL"/>
               <a:t>לחץ כדי לערוך סגנונות טקסט של תבנית בסיס</a:t>
             </a:r>
           </a:p>
@@ -1694,38 +1724,37 @@
           <a:p>
             <a:pPr lvl="0"/>
             <a:r>
-              <a:rPr lang="he-IL" smtClean="0"/>
+              <a:rPr lang="he-IL"/>
               <a:t>לחץ כדי לערוך סגנונות טקסט של תבנית בסיס</a:t>
             </a:r>
           </a:p>
           <a:p>
             <a:pPr lvl="1"/>
             <a:r>
-              <a:rPr lang="he-IL" smtClean="0"/>
+              <a:rPr lang="he-IL"/>
               <a:t>רמה שנייה</a:t>
             </a:r>
           </a:p>
           <a:p>
             <a:pPr lvl="2"/>
             <a:r>
-              <a:rPr lang="he-IL" smtClean="0"/>
+              <a:rPr lang="he-IL"/>
               <a:t>רמה שלישית</a:t>
             </a:r>
           </a:p>
           <a:p>
             <a:pPr lvl="3"/>
             <a:r>
-              <a:rPr lang="he-IL" smtClean="0"/>
+              <a:rPr lang="he-IL"/>
               <a:t>רמה רביעית</a:t>
             </a:r>
           </a:p>
           <a:p>
             <a:pPr lvl="4"/>
             <a:r>
-              <a:rPr lang="he-IL" smtClean="0"/>
+              <a:rPr lang="he-IL"/>
               <a:t>רמה חמישית</a:t>
             </a:r>
-            <a:endParaRPr lang="he-IL"/>
           </a:p>
         </p:txBody>
       </p:sp>
@@ -1747,7 +1776,7 @@
             <a:fld id="{B9273EA4-7F4B-4BCE-8FBA-B839F7CEDD5C}" type="datetimeFigureOut">
               <a:rPr lang="he-IL" smtClean="0"/>
               <a:pPr/>
-              <a:t>א'/שבט/תשפ"ד</a:t>
+              <a:t>ל'/אב/תשפ"ד</a:t>
             </a:fld>
             <a:endParaRPr lang="he-IL"/>
           </a:p>
@@ -1837,10 +1866,9 @@
           <a:lstStyle/>
           <a:p>
             <a:r>
-              <a:rPr lang="he-IL" smtClean="0"/>
+              <a:rPr lang="he-IL"/>
               <a:t>לחץ כדי לערוך סגנון כותרת של תבנית בסיס</a:t>
             </a:r>
-            <a:endParaRPr lang="he-IL"/>
           </a:p>
         </p:txBody>
       </p:sp>
@@ -1862,7 +1890,7 @@
             <a:fld id="{B9273EA4-7F4B-4BCE-8FBA-B839F7CEDD5C}" type="datetimeFigureOut">
               <a:rPr lang="he-IL" smtClean="0"/>
               <a:pPr/>
-              <a:t>א'/שבט/תשפ"ד</a:t>
+              <a:t>ל'/אב/תשפ"ד</a:t>
             </a:fld>
             <a:endParaRPr lang="he-IL"/>
           </a:p>
@@ -1954,7 +1982,7 @@
             <a:fld id="{B9273EA4-7F4B-4BCE-8FBA-B839F7CEDD5C}" type="datetimeFigureOut">
               <a:rPr lang="he-IL" smtClean="0"/>
               <a:pPr/>
-              <a:t>א'/שבט/תשפ"ד</a:t>
+              <a:t>ל'/אב/תשפ"ד</a:t>
             </a:fld>
             <a:endParaRPr lang="he-IL"/>
           </a:p>
@@ -2053,10 +2081,9 @@
           </a:lstStyle>
           <a:p>
             <a:r>
-              <a:rPr lang="he-IL" smtClean="0"/>
+              <a:rPr lang="he-IL"/>
               <a:t>לחץ כדי לערוך סגנון כותרת של תבנית בסיס</a:t>
             </a:r>
-            <a:endParaRPr lang="he-IL"/>
           </a:p>
         </p:txBody>
       </p:sp>
@@ -2110,38 +2137,37 @@
           <a:p>
             <a:pPr lvl="0"/>
             <a:r>
-              <a:rPr lang="he-IL" smtClean="0"/>
+              <a:rPr lang="he-IL"/>
               <a:t>לחץ כדי לערוך סגנונות טקסט של תבנית בסיס</a:t>
             </a:r>
           </a:p>
           <a:p>
             <a:pPr lvl="1"/>
             <a:r>
-              <a:rPr lang="he-IL" smtClean="0"/>
+              <a:rPr lang="he-IL"/>
               <a:t>רמה שנייה</a:t>
             </a:r>
           </a:p>
           <a:p>
             <a:pPr lvl="2"/>
             <a:r>
-              <a:rPr lang="he-IL" smtClean="0"/>
+              <a:rPr lang="he-IL"/>
               <a:t>רמה שלישית</a:t>
             </a:r>
           </a:p>
           <a:p>
             <a:pPr lvl="3"/>
             <a:r>
-              <a:rPr lang="he-IL" smtClean="0"/>
+              <a:rPr lang="he-IL"/>
               <a:t>רמה רביעית</a:t>
             </a:r>
           </a:p>
           <a:p>
             <a:pPr lvl="4"/>
             <a:r>
-              <a:rPr lang="he-IL" smtClean="0"/>
+              <a:rPr lang="he-IL"/>
               <a:t>רמה חמישית</a:t>
             </a:r>
-            <a:endParaRPr lang="he-IL"/>
           </a:p>
         </p:txBody>
       </p:sp>
@@ -2204,7 +2230,7 @@
           <a:p>
             <a:pPr lvl="0"/>
             <a:r>
-              <a:rPr lang="he-IL" smtClean="0"/>
+              <a:rPr lang="he-IL"/>
               <a:t>לחץ כדי לערוך סגנונות טקסט של תבנית בסיס</a:t>
             </a:r>
           </a:p>
@@ -2228,7 +2254,7 @@
             <a:fld id="{B9273EA4-7F4B-4BCE-8FBA-B839F7CEDD5C}" type="datetimeFigureOut">
               <a:rPr lang="he-IL" smtClean="0"/>
               <a:pPr/>
-              <a:t>א'/שבט/תשפ"ד</a:t>
+              <a:t>ל'/אב/תשפ"ד</a:t>
             </a:fld>
             <a:endParaRPr lang="he-IL"/>
           </a:p>
@@ -2327,10 +2353,9 @@
           </a:lstStyle>
           <a:p>
             <a:r>
-              <a:rPr lang="he-IL" smtClean="0"/>
+              <a:rPr lang="he-IL"/>
               <a:t>לחץ כדי לערוך סגנון כותרת של תבנית בסיס</a:t>
             </a:r>
-            <a:endParaRPr lang="he-IL"/>
           </a:p>
         </p:txBody>
       </p:sp>
@@ -2454,7 +2479,7 @@
           <a:p>
             <a:pPr lvl="0"/>
             <a:r>
-              <a:rPr lang="he-IL" smtClean="0"/>
+              <a:rPr lang="he-IL"/>
               <a:t>לחץ כדי לערוך סגנונות טקסט של תבנית בסיס</a:t>
             </a:r>
           </a:p>
@@ -2478,7 +2503,7 @@
             <a:fld id="{B9273EA4-7F4B-4BCE-8FBA-B839F7CEDD5C}" type="datetimeFigureOut">
               <a:rPr lang="he-IL" smtClean="0"/>
               <a:pPr/>
-              <a:t>א'/שבט/תשפ"ד</a:t>
+              <a:t>ל'/אב/תשפ"ד</a:t>
             </a:fld>
             <a:endParaRPr lang="he-IL"/>
           </a:p>
@@ -2583,10 +2608,9 @@
           <a:lstStyle/>
           <a:p>
             <a:r>
-              <a:rPr lang="he-IL" smtClean="0"/>
+              <a:rPr lang="he-IL"/>
               <a:t>לחץ כדי לערוך סגנון כותרת של תבנית בסיס</a:t>
             </a:r>
-            <a:endParaRPr lang="he-IL"/>
           </a:p>
         </p:txBody>
       </p:sp>
@@ -2617,38 +2641,37 @@
           <a:p>
             <a:pPr lvl="0"/>
             <a:r>
-              <a:rPr lang="he-IL" smtClean="0"/>
+              <a:rPr lang="he-IL"/>
               <a:t>לחץ כדי לערוך סגנונות טקסט של תבנית בסיס</a:t>
             </a:r>
           </a:p>
           <a:p>
             <a:pPr lvl="1"/>
             <a:r>
-              <a:rPr lang="he-IL" smtClean="0"/>
+              <a:rPr lang="he-IL"/>
               <a:t>רמה שנייה</a:t>
             </a:r>
           </a:p>
           <a:p>
             <a:pPr lvl="2"/>
             <a:r>
-              <a:rPr lang="he-IL" smtClean="0"/>
+              <a:rPr lang="he-IL"/>
               <a:t>רמה שלישית</a:t>
             </a:r>
           </a:p>
           <a:p>
             <a:pPr lvl="3"/>
             <a:r>
-              <a:rPr lang="he-IL" smtClean="0"/>
+              <a:rPr lang="he-IL"/>
               <a:t>רמה רביעית</a:t>
             </a:r>
           </a:p>
           <a:p>
             <a:pPr lvl="4"/>
             <a:r>
-              <a:rPr lang="he-IL" smtClean="0"/>
+              <a:rPr lang="he-IL"/>
               <a:t>רמה חמישית</a:t>
             </a:r>
-            <a:endParaRPr lang="he-IL"/>
           </a:p>
         </p:txBody>
       </p:sp>
@@ -2688,7 +2711,7 @@
             <a:fld id="{B9273EA4-7F4B-4BCE-8FBA-B839F7CEDD5C}" type="datetimeFigureOut">
               <a:rPr lang="he-IL" smtClean="0"/>
               <a:pPr/>
-              <a:t>א'/שבט/תשפ"ד</a:t>
+              <a:t>ל'/אב/תשפ"ד</a:t>
             </a:fld>
             <a:endParaRPr lang="he-IL"/>
           </a:p>
@@ -3082,23 +3105,19 @@
           <a:lstStyle/>
           <a:p>
             <a:r>
-              <a:rPr lang="he-IL" sz="2800" dirty="0" err="1" smtClean="0">
+              <a:rPr lang="he-IL" sz="2800" dirty="0" err="1">
                 <a:latin typeface="Dana Yad AlefAlefAlef Normal" pitchFamily="50" charset="-79"/>
                 <a:cs typeface="Dana Yad AlefAlefAlef Normal" pitchFamily="50" charset="-79"/>
               </a:rPr>
               <a:t>בסיעתא</a:t>
             </a:r>
             <a:r>
-              <a:rPr lang="he-IL" sz="2800" dirty="0" smtClean="0">
+              <a:rPr lang="he-IL" sz="2800" dirty="0">
                 <a:latin typeface="Dana Yad AlefAlefAlef Normal" pitchFamily="50" charset="-79"/>
                 <a:cs typeface="Dana Yad AlefAlefAlef Normal" pitchFamily="50" charset="-79"/>
               </a:rPr>
               <a:t> דשמיא</a:t>
             </a:r>
-            <a:endParaRPr lang="he-IL" sz="2800" dirty="0">
-              <a:latin typeface="Dana Yad AlefAlefAlef Normal" pitchFamily="50" charset="-79"/>
-              <a:cs typeface="Dana Yad AlefAlefAlef Normal" pitchFamily="50" charset="-79"/>
-            </a:endParaRPr>
           </a:p>
         </p:txBody>
       </p:sp>
@@ -3125,16 +3144,12 @@
           <a:lstStyle/>
           <a:p>
             <a:r>
-              <a:rPr lang="he-IL" sz="2400" dirty="0" smtClean="0">
+              <a:rPr lang="he-IL" sz="2400" dirty="0">
                 <a:latin typeface="Dana Yad AlefAlefAlef Normal" pitchFamily="50" charset="-79"/>
                 <a:cs typeface="Dana Yad AlefAlefAlef Normal" pitchFamily="50" charset="-79"/>
               </a:rPr>
               <a:t>האתר של סימה</a:t>
             </a:r>
-            <a:endParaRPr lang="he-IL" sz="2400" dirty="0">
-              <a:latin typeface="Dana Yad AlefAlefAlef Normal" pitchFamily="50" charset="-79"/>
-              <a:cs typeface="Dana Yad AlefAlefAlef Normal" pitchFamily="50" charset="-79"/>
-            </a:endParaRPr>
           </a:p>
         </p:txBody>
       </p:sp>
@@ -3184,6 +3199,57 @@
           </a:p>
         </p:txBody>
       </p:sp>
+      <mc:AlternateContent xmlns:mc="http://schemas.openxmlformats.org/markup-compatibility/2006">
+        <mc:Choice xmlns:p14="http://schemas.microsoft.com/office/powerpoint/2010/main" Requires="p14">
+          <p:contentPart p14:bwMode="auto" r:id="rId2">
+            <p14:nvContentPartPr>
+              <p14:cNvPr id="37" name="דיו 36">
+                <a:extLst>
+                  <a:ext uri="{FF2B5EF4-FFF2-40B4-BE49-F238E27FC236}">
+                    <a16:creationId xmlns:a16="http://schemas.microsoft.com/office/drawing/2014/main" id="{007574FF-29F9-F307-F259-2031D6F004D6}"/>
+                  </a:ext>
+                </a:extLst>
+              </p14:cNvPr>
+              <p14:cNvContentPartPr/>
+              <p14:nvPr/>
+            </p14:nvContentPartPr>
+            <p14:xfrm>
+              <a:off x="6500561" y="601012"/>
+              <a:ext cx="129600" cy="1974600"/>
+            </p14:xfrm>
+          </p:contentPart>
+        </mc:Choice>
+        <mc:Fallback>
+          <p:pic>
+            <p:nvPicPr>
+              <p:cNvPr id="37" name="דיו 36">
+                <a:extLst>
+                  <a:ext uri="{FF2B5EF4-FFF2-40B4-BE49-F238E27FC236}">
+                    <a16:creationId xmlns:a16="http://schemas.microsoft.com/office/drawing/2014/main" id="{007574FF-29F9-F307-F259-2031D6F004D6}"/>
+                  </a:ext>
+                </a:extLst>
+              </p:cNvPr>
+              <p:cNvPicPr/>
+              <p:nvPr/>
+            </p:nvPicPr>
+            <p:blipFill>
+              <a:blip r:embed="rId3"/>
+              <a:stretch>
+                <a:fillRect/>
+              </a:stretch>
+            </p:blipFill>
+            <p:spPr>
+              <a:xfrm>
+                <a:off x="6437921" y="538372"/>
+                <a:ext cx="255240" cy="2100240"/>
+              </a:xfrm>
+              <a:prstGeom prst="rect">
+                <a:avLst/>
+              </a:prstGeom>
+            </p:spPr>
+          </p:pic>
+        </mc:Fallback>
+      </mc:AlternateContent>
     </p:spTree>
   </p:cSld>
   <p:clrMapOvr>
